--- a/images/images.pptx
+++ b/images/images.pptx
@@ -104,6 +104,11 @@
       </a:defRPr>
     </a:lvl9pPr>
   </p:defaultTextStyle>
+  <p:extLst>
+    <p:ext uri="{EFAFB233-063F-42B5-8137-9DF3F51BA10A}">
+      <p15:sldGuideLst xmlns:p15="http://schemas.microsoft.com/office/powerpoint/2012/main"/>
+    </p:ext>
+  </p:extLst>
 </p:presentation>
 </file>
 
@@ -120,12 +125,12 @@
   <pc:docChgLst>
     <pc:chgData name="Noritsuna Imamura" userId="5b2da16fa1785921" providerId="LiveId" clId="{342DA2C4-B094-4B86-9045-6AA34CD7B848}"/>
     <pc:docChg chg="undo custSel addSld modSld">
-      <pc:chgData name="Noritsuna Imamura" userId="5b2da16fa1785921" providerId="LiveId" clId="{342DA2C4-B094-4B86-9045-6AA34CD7B848}" dt="2025-10-03T10:37:55.773" v="262" actId="167"/>
+      <pc:chgData name="Noritsuna Imamura" userId="5b2da16fa1785921" providerId="LiveId" clId="{342DA2C4-B094-4B86-9045-6AA34CD7B848}" dt="2025-10-04T01:39:37.258" v="295" actId="1035"/>
       <pc:docMkLst>
         <pc:docMk/>
       </pc:docMkLst>
       <pc:sldChg chg="addSp delSp modSp new mod">
-        <pc:chgData name="Noritsuna Imamura" userId="5b2da16fa1785921" providerId="LiveId" clId="{342DA2C4-B094-4B86-9045-6AA34CD7B848}" dt="2025-10-03T10:37:55.773" v="262" actId="167"/>
+        <pc:chgData name="Noritsuna Imamura" userId="5b2da16fa1785921" providerId="LiveId" clId="{342DA2C4-B094-4B86-9045-6AA34CD7B848}" dt="2025-10-04T01:39:37.258" v="295" actId="1035"/>
         <pc:sldMkLst>
           <pc:docMk/>
           <pc:sldMk cId="894218861" sldId="256"/>
@@ -243,15 +248,23 @@
           </ac:spMkLst>
         </pc:spChg>
         <pc:spChg chg="add mod ord">
-          <ac:chgData name="Noritsuna Imamura" userId="5b2da16fa1785921" providerId="LiveId" clId="{342DA2C4-B094-4B86-9045-6AA34CD7B848}" dt="2025-10-03T10:37:55.773" v="262" actId="167"/>
+          <ac:chgData name="Noritsuna Imamura" userId="5b2da16fa1785921" providerId="LiveId" clId="{342DA2C4-B094-4B86-9045-6AA34CD7B848}" dt="2025-10-04T01:39:12.230" v="267" actId="167"/>
           <ac:spMkLst>
             <pc:docMk/>
             <pc:sldMk cId="894218861" sldId="256"/>
             <ac:spMk id="18" creationId="{803E280D-FF49-489A-A461-BE3D3FCA007E}"/>
           </ac:spMkLst>
         </pc:spChg>
-        <pc:picChg chg="add mod">
-          <ac:chgData name="Noritsuna Imamura" userId="5b2da16fa1785921" providerId="LiveId" clId="{342DA2C4-B094-4B86-9045-6AA34CD7B848}" dt="2025-10-03T10:31:14.017" v="127" actId="1076"/>
+        <pc:picChg chg="add mod ord">
+          <ac:chgData name="Noritsuna Imamura" userId="5b2da16fa1785921" providerId="LiveId" clId="{342DA2C4-B094-4B86-9045-6AA34CD7B848}" dt="2025-10-04T01:39:37.258" v="295" actId="1035"/>
+          <ac:picMkLst>
+            <pc:docMk/>
+            <pc:sldMk cId="894218861" sldId="256"/>
+            <ac:picMk id="3" creationId="{9DDCE544-DA3E-1982-117E-4E27B4442E04}"/>
+          </ac:picMkLst>
+        </pc:picChg>
+        <pc:picChg chg="add del mod">
+          <ac:chgData name="Noritsuna Imamura" userId="5b2da16fa1785921" providerId="LiveId" clId="{342DA2C4-B094-4B86-9045-6AA34CD7B848}" dt="2025-10-04T01:39:01.951" v="263" actId="478"/>
           <ac:picMkLst>
             <pc:docMk/>
             <pc:sldMk cId="894218861" sldId="256"/>
@@ -411,7 +424,7 @@
           <a:p>
             <a:fld id="{306D8DAA-D7DB-4FD6-93C2-8F8A77DFB3C0}" type="datetimeFigureOut">
               <a:rPr kumimoji="1" lang="ja-JP" altLang="en-US" smtClean="0"/>
-              <a:t>2025/10/3</a:t>
+              <a:t>2025/10/4</a:t>
             </a:fld>
             <a:endParaRPr kumimoji="1" lang="ja-JP" altLang="en-US"/>
           </a:p>
@@ -641,7 +654,7 @@
           <a:p>
             <a:fld id="{306D8DAA-D7DB-4FD6-93C2-8F8A77DFB3C0}" type="datetimeFigureOut">
               <a:rPr kumimoji="1" lang="ja-JP" altLang="en-US" smtClean="0"/>
-              <a:t>2025/10/3</a:t>
+              <a:t>2025/10/4</a:t>
             </a:fld>
             <a:endParaRPr kumimoji="1" lang="ja-JP" altLang="en-US"/>
           </a:p>
@@ -881,7 +894,7 @@
           <a:p>
             <a:fld id="{306D8DAA-D7DB-4FD6-93C2-8F8A77DFB3C0}" type="datetimeFigureOut">
               <a:rPr kumimoji="1" lang="ja-JP" altLang="en-US" smtClean="0"/>
-              <a:t>2025/10/3</a:t>
+              <a:t>2025/10/4</a:t>
             </a:fld>
             <a:endParaRPr kumimoji="1" lang="ja-JP" altLang="en-US"/>
           </a:p>
@@ -1111,7 +1124,7 @@
           <a:p>
             <a:fld id="{306D8DAA-D7DB-4FD6-93C2-8F8A77DFB3C0}" type="datetimeFigureOut">
               <a:rPr kumimoji="1" lang="ja-JP" altLang="en-US" smtClean="0"/>
-              <a:t>2025/10/3</a:t>
+              <a:t>2025/10/4</a:t>
             </a:fld>
             <a:endParaRPr kumimoji="1" lang="ja-JP" altLang="en-US"/>
           </a:p>
@@ -1386,7 +1399,7 @@
           <a:p>
             <a:fld id="{306D8DAA-D7DB-4FD6-93C2-8F8A77DFB3C0}" type="datetimeFigureOut">
               <a:rPr kumimoji="1" lang="ja-JP" altLang="en-US" smtClean="0"/>
-              <a:t>2025/10/3</a:t>
+              <a:t>2025/10/4</a:t>
             </a:fld>
             <a:endParaRPr kumimoji="1" lang="ja-JP" altLang="en-US"/>
           </a:p>
@@ -1715,7 +1728,7 @@
           <a:p>
             <a:fld id="{306D8DAA-D7DB-4FD6-93C2-8F8A77DFB3C0}" type="datetimeFigureOut">
               <a:rPr kumimoji="1" lang="ja-JP" altLang="en-US" smtClean="0"/>
-              <a:t>2025/10/3</a:t>
+              <a:t>2025/10/4</a:t>
             </a:fld>
             <a:endParaRPr kumimoji="1" lang="ja-JP" altLang="en-US"/>
           </a:p>
@@ -2191,7 +2204,7 @@
           <a:p>
             <a:fld id="{306D8DAA-D7DB-4FD6-93C2-8F8A77DFB3C0}" type="datetimeFigureOut">
               <a:rPr kumimoji="1" lang="ja-JP" altLang="en-US" smtClean="0"/>
-              <a:t>2025/10/3</a:t>
+              <a:t>2025/10/4</a:t>
             </a:fld>
             <a:endParaRPr kumimoji="1" lang="ja-JP" altLang="en-US"/>
           </a:p>
@@ -2332,7 +2345,7 @@
           <a:p>
             <a:fld id="{306D8DAA-D7DB-4FD6-93C2-8F8A77DFB3C0}" type="datetimeFigureOut">
               <a:rPr kumimoji="1" lang="ja-JP" altLang="en-US" smtClean="0"/>
-              <a:t>2025/10/3</a:t>
+              <a:t>2025/10/4</a:t>
             </a:fld>
             <a:endParaRPr kumimoji="1" lang="ja-JP" altLang="en-US"/>
           </a:p>
@@ -2445,7 +2458,7 @@
           <a:p>
             <a:fld id="{306D8DAA-D7DB-4FD6-93C2-8F8A77DFB3C0}" type="datetimeFigureOut">
               <a:rPr kumimoji="1" lang="ja-JP" altLang="en-US" smtClean="0"/>
-              <a:t>2025/10/3</a:t>
+              <a:t>2025/10/4</a:t>
             </a:fld>
             <a:endParaRPr kumimoji="1" lang="ja-JP" altLang="en-US"/>
           </a:p>
@@ -2788,7 +2801,7 @@
           <a:p>
             <a:fld id="{306D8DAA-D7DB-4FD6-93C2-8F8A77DFB3C0}" type="datetimeFigureOut">
               <a:rPr kumimoji="1" lang="ja-JP" altLang="en-US" smtClean="0"/>
-              <a:t>2025/10/3</a:t>
+              <a:t>2025/10/4</a:t>
             </a:fld>
             <a:endParaRPr kumimoji="1" lang="ja-JP" altLang="en-US"/>
           </a:p>
@@ -3076,7 +3089,7 @@
           <a:p>
             <a:fld id="{306D8DAA-D7DB-4FD6-93C2-8F8A77DFB3C0}" type="datetimeFigureOut">
               <a:rPr kumimoji="1" lang="ja-JP" altLang="en-US" smtClean="0"/>
-              <a:t>2025/10/3</a:t>
+              <a:t>2025/10/4</a:t>
             </a:fld>
             <a:endParaRPr kumimoji="1" lang="ja-JP" altLang="en-US"/>
           </a:p>
@@ -3349,7 +3362,7 @@
           <a:p>
             <a:fld id="{306D8DAA-D7DB-4FD6-93C2-8F8A77DFB3C0}" type="datetimeFigureOut">
               <a:rPr kumimoji="1" lang="ja-JP" altLang="en-US" smtClean="0"/>
-              <a:t>2025/10/3</a:t>
+              <a:t>2025/10/4</a:t>
             </a:fld>
             <a:endParaRPr kumimoji="1" lang="ja-JP" altLang="en-US"/>
           </a:p>
@@ -3814,10 +3827,10 @@
       </p:sp>
       <p:pic>
         <p:nvPicPr>
-          <p:cNvPr id="5" name="図 4" descr="グラフィカル ユーザー インターフェイス&#10;&#10;AI 生成コンテンツは誤りを含む可能性があります。">
-            <a:extLst>
-              <a:ext uri="{FF2B5EF4-FFF2-40B4-BE49-F238E27FC236}">
-                <a16:creationId xmlns:a16="http://schemas.microsoft.com/office/drawing/2014/main" id="{1787CEDC-1DA6-431E-E315-3F85CC04A613}"/>
+          <p:cNvPr id="3" name="図 2">
+            <a:extLst>
+              <a:ext uri="{FF2B5EF4-FFF2-40B4-BE49-F238E27FC236}">
+                <a16:creationId xmlns:a16="http://schemas.microsoft.com/office/drawing/2014/main" id="{9DDCE544-DA3E-1982-117E-4E27B4442E04}"/>
               </a:ext>
             </a:extLst>
           </p:cNvPr>
@@ -3827,21 +3840,15 @@
           <p:nvPr/>
         </p:nvPicPr>
         <p:blipFill>
-          <a:blip r:embed="rId2">
-            <a:extLst>
-              <a:ext uri="{28A0092B-C50C-407E-A947-70E740481C1C}">
-                <a14:useLocalDpi xmlns:a14="http://schemas.microsoft.com/office/drawing/2010/main" val="0"/>
-              </a:ext>
-            </a:extLst>
-          </a:blip>
+          <a:blip r:embed="rId2"/>
           <a:stretch>
             <a:fillRect/>
           </a:stretch>
         </p:blipFill>
         <p:spPr>
           <a:xfrm>
-            <a:off x="2649594" y="0"/>
-            <a:ext cx="6892812" cy="6858000"/>
+            <a:off x="2552129" y="9210"/>
+            <a:ext cx="7009594" cy="6958615"/>
           </a:xfrm>
           <a:prstGeom prst="rect">
             <a:avLst/>
